--- a/aulas/t/old/SCO-T1-A05-A06.pptx
+++ b/aulas/t/old/SCO-T1-A05-A06.pptx
@@ -3573,31 +3573,7 @@
           <a:p>
             <a:r>
               <a:rPr lang="en-GB" dirty="0"/>
-              <a:t>Destino não é um valor por isso na wiki os </a:t>
-            </a:r>
-            <a:r>
-              <a:rPr lang="en-GB" dirty="0" err="1"/>
-              <a:t>exemplos</a:t>
-            </a:r>
-            <a:r>
-              <a:rPr lang="en-GB" dirty="0"/>
-              <a:t> </a:t>
-            </a:r>
-            <a:r>
-              <a:rPr lang="en-GB" dirty="0" err="1"/>
-              <a:t>serão</a:t>
-            </a:r>
-            <a:r>
-              <a:rPr lang="en-GB" dirty="0"/>
-              <a:t> </a:t>
-            </a:r>
-            <a:r>
-              <a:rPr lang="en-GB" dirty="0" err="1"/>
-              <a:t>errados</a:t>
-            </a:r>
-            <a:r>
-              <a:rPr lang="en-GB" dirty="0"/>
-              <a:t> no inplícito</a:t>
+              <a:t>Destino não é um valor por isso na wiki os exemplos serão errados no inplícito</a:t>
             </a:r>
           </a:p>
         </p:txBody>
@@ -7522,7 +7498,7 @@
             </a:r>
             <a:r>
               <a:rPr lang="pt-PT" sz="1600" b="0" i="0" dirty="0"/>
-              <a:t> e.g. ARMv7/R15) noutras de IP (</a:t>
+              <a:t> e.g. ARMv7/R15) noutras é denominado de IP (</a:t>
             </a:r>
             <a:r>
               <a:rPr lang="pt-PT" sz="1600" b="0" dirty="0"/>
@@ -7943,7 +7919,7 @@
             </a:r>
             <a:r>
               <a:rPr lang="pt-BR" sz="1600" b="0" i="0" dirty="0"/>
-              <a:t> Na ARMv7 depende da instrução. Na x86/x64 os saltos relativos são condicionais e inciados por </a:t>
+              <a:t> Na ARMv7 depende da instrução. Na x86/x64 os saltos relativos são condicionais e iniciados por </a:t>
             </a:r>
             <a:r>
               <a:rPr lang="pt-BR" sz="1600" i="0" dirty="0"/>
@@ -7959,7 +7935,7 @@
             </a:r>
             <a:r>
               <a:rPr lang="pt-BR" sz="1600" b="0" i="0" dirty="0"/>
-              <a:t> absoluta;</a:t>
+              <a:t> o salto absoluto;</a:t>
             </a:r>
           </a:p>
           <a:p>
@@ -9300,7 +9276,7 @@
         <p:spPr bwMode="auto">
           <a:xfrm>
             <a:off x="540000" y="841276"/>
-            <a:ext cx="8064448" cy="3938245"/>
+            <a:ext cx="8064448" cy="4307577"/>
           </a:xfrm>
           <a:prstGeom prst="rect">
             <a:avLst/>
@@ -9435,7 +9411,15 @@
             </a:r>
             <a:r>
               <a:rPr lang="pt-PT" sz="2000" i="0" dirty="0"/>
-              <a:t>16h até às 23h59 de sexta, 29 de outubro</a:t>
+              <a:t>16h de quinta 31 de março </a:t>
+            </a:r>
+            <a:r>
+              <a:rPr lang="pt-PT" sz="2000" b="0" i="0" dirty="0"/>
+              <a:t>até às </a:t>
+            </a:r>
+            <a:r>
+              <a:rPr lang="pt-PT" sz="2000" i="0" dirty="0"/>
+              <a:t>23h59 de sexta, 1 de abril</a:t>
             </a:r>
             <a:r>
               <a:rPr lang="pt-PT" sz="2000" b="0" i="0" dirty="0"/>
@@ -10453,7 +10437,7 @@
         <p:spPr bwMode="auto">
           <a:xfrm>
             <a:off x="540000" y="841276"/>
-            <a:ext cx="8424488" cy="3355265"/>
+            <a:ext cx="8424488" cy="3650731"/>
           </a:xfrm>
           <a:prstGeom prst="rect">
             <a:avLst/>
@@ -10501,7 +10485,67 @@
             </a:r>
             <a:r>
               <a:rPr lang="pt-BR" sz="1600" b="0" i="0" dirty="0"/>
-              <a:t>, só que o bit de ordem 0 (LSB) é movido para o bit mais significatico (MSB, bit de ordem 31 numa aqruitetura de 32bits, bit 15 nas de 16bits e bit 7 nas de 8bits) quando a rotação é para a direita.</a:t>
+              <a:t>, só que o bit de ordem 0 (LSB – </a:t>
+            </a:r>
+            <a:r>
+              <a:rPr lang="pt-BR" sz="1600" dirty="0"/>
+              <a:t>L</a:t>
+            </a:r>
+            <a:r>
+              <a:rPr lang="pt-BR" sz="1600" b="0" dirty="0"/>
+              <a:t>ess </a:t>
+            </a:r>
+            <a:r>
+              <a:rPr lang="pt-BR" sz="1600" dirty="0"/>
+              <a:t>S</a:t>
+            </a:r>
+            <a:r>
+              <a:rPr lang="pt-BR" sz="1600" b="0" dirty="0"/>
+              <a:t>ignificant </a:t>
+            </a:r>
+            <a:r>
+              <a:rPr lang="pt-BR" sz="1600" dirty="0"/>
+              <a:t>B</a:t>
+            </a:r>
+            <a:r>
+              <a:rPr lang="pt-BR" sz="1600" b="0" dirty="0"/>
+              <a:t>it</a:t>
+            </a:r>
+            <a:r>
+              <a:rPr lang="pt-BR" sz="1600" b="0" i="0" dirty="0"/>
+              <a:t>) é movido para o bit mais significatico (</a:t>
+            </a:r>
+            <a:r>
+              <a:rPr lang="pt-BR" sz="1600" b="0" dirty="0"/>
+              <a:t>MSB – </a:t>
+            </a:r>
+            <a:r>
+              <a:rPr lang="pt-BR" sz="1600" dirty="0"/>
+              <a:t>M</a:t>
+            </a:r>
+            <a:r>
+              <a:rPr lang="pt-BR" sz="1600" b="0" dirty="0"/>
+              <a:t>ost </a:t>
+            </a:r>
+            <a:r>
+              <a:rPr lang="pt-BR" sz="1600" dirty="0"/>
+              <a:t>S</a:t>
+            </a:r>
+            <a:r>
+              <a:rPr lang="pt-BR" sz="1600" b="0" dirty="0"/>
+              <a:t>ignificant </a:t>
+            </a:r>
+            <a:r>
+              <a:rPr lang="pt-BR" sz="1600" dirty="0"/>
+              <a:t>B</a:t>
+            </a:r>
+            <a:r>
+              <a:rPr lang="pt-BR" sz="1600" b="0" dirty="0"/>
+              <a:t>it</a:t>
+            </a:r>
+            <a:r>
+              <a:rPr lang="pt-BR" sz="1600" b="0" i="0" dirty="0"/>
+              <a:t>), bit de ordem 31 numa aqruitetura de 32 bit, bit 15 nas de 16 bit e bit 7 nas de 8 bit) quando a rotação é para a direita.</a:t>
             </a:r>
           </a:p>
           <a:p>
@@ -10514,7 +10558,7 @@
             </a:pPr>
             <a:r>
               <a:rPr lang="pt-BR" sz="1600" b="0" i="0" dirty="0"/>
-              <a:t>Na rotação para esquerda o processo é inverso. O bit MSB (31 em 32bits, 15 em 16bits e 7 em 8bits) é transferido para o bit de ordem 0 (LSB).</a:t>
+              <a:t>Na rotação para esquerda o processo é inverso. O bit MSB (ordem 31 em 32 bit, 15 em 16 bit e 7 em 8 bit) é transferido para o bit de ordem 0 (LSB).</a:t>
             </a:r>
           </a:p>
           <a:p>
@@ -10527,7 +10571,7 @@
             </a:pPr>
             <a:r>
               <a:rPr lang="pt-BR" sz="1600" b="0" i="0" dirty="0"/>
-              <a:t>A rotação não é uma operação aritemética convencional e normamente é utilizada com máscaras de bits ou para teste de bits individuais</a:t>
+              <a:t>A rotação não é uma operação aritemética convencional e normamente é utilizada como máscaras de bits ou para teste de bits individuais</a:t>
             </a:r>
             <a:r>
               <a:rPr lang="en-GB" sz="1600" b="0" i="0" dirty="0"/>
@@ -10553,7 +10597,35 @@
             </a:r>
             <a:r>
               <a:rPr lang="pt-BR" sz="1600" b="0" i="0" dirty="0"/>
-              <a:t> de 8 e 16 (e.g. instrução RLA). </a:t>
+              <a:t> de 8 e 16 (e.g. instrução RLA – </a:t>
+            </a:r>
+            <a:r>
+              <a:rPr lang="pt-BR" sz="1600" dirty="0"/>
+              <a:t>R</a:t>
+            </a:r>
+            <a:r>
+              <a:rPr lang="pt-BR" sz="1600" b="0" dirty="0"/>
+              <a:t>otate </a:t>
+            </a:r>
+            <a:r>
+              <a:rPr lang="pt-BR" sz="1600" dirty="0"/>
+              <a:t>L</a:t>
+            </a:r>
+            <a:r>
+              <a:rPr lang="pt-BR" sz="1600" b="0" dirty="0"/>
+              <a:t>eft </a:t>
+            </a:r>
+            <a:r>
+              <a:rPr lang="pt-BR" sz="1600" dirty="0"/>
+              <a:t>A</a:t>
+            </a:r>
+            <a:r>
+              <a:rPr lang="pt-BR" sz="1600" b="0" dirty="0"/>
+              <a:t>ritmetic</a:t>
+            </a:r>
+            <a:r>
+              <a:rPr lang="pt-BR" sz="1600" b="0" i="0" dirty="0"/>
+              <a:t>).</a:t>
             </a:r>
           </a:p>
         </p:txBody>
@@ -10922,7 +10994,63 @@
             </a:r>
             <a:r>
               <a:rPr lang="pt-BR" sz="1600" b="0" i="0" dirty="0"/>
-              <a:t> no ARM).</a:t>
+              <a:t> no ARM). LSR signifca </a:t>
+            </a:r>
+            <a:r>
+              <a:rPr lang="pt-BR" sz="1600" dirty="0"/>
+              <a:t>L</a:t>
+            </a:r>
+            <a:r>
+              <a:rPr lang="pt-BR" sz="1600" b="0" dirty="0"/>
+              <a:t>ogic </a:t>
+            </a:r>
+            <a:r>
+              <a:rPr lang="pt-BR" sz="1600" dirty="0"/>
+              <a:t>S</a:t>
+            </a:r>
+            <a:r>
+              <a:rPr lang="pt-BR" sz="1600" b="0" dirty="0"/>
+              <a:t>hift </a:t>
+            </a:r>
+            <a:r>
+              <a:rPr lang="pt-BR" sz="1600" dirty="0"/>
+              <a:t>R</a:t>
+            </a:r>
+            <a:r>
+              <a:rPr lang="pt-BR" sz="1600" b="0" dirty="0"/>
+              <a:t>ight</a:t>
+            </a:r>
+            <a:r>
+              <a:rPr lang="pt-BR" sz="1600" b="0" i="0" dirty="0"/>
+              <a:t> e ASR </a:t>
+            </a:r>
+            <a:r>
+              <a:rPr lang="pt-BR" sz="1600" dirty="0"/>
+              <a:t>A</a:t>
+            </a:r>
+            <a:r>
+              <a:rPr lang="pt-BR" sz="1600" b="0" dirty="0"/>
+              <a:t>ritmetic </a:t>
+            </a:r>
+            <a:r>
+              <a:rPr lang="pt-BR" sz="1600" dirty="0"/>
+              <a:t>S</a:t>
+            </a:r>
+            <a:r>
+              <a:rPr lang="pt-BR" sz="1600" b="0" dirty="0"/>
+              <a:t>hift </a:t>
+            </a:r>
+            <a:r>
+              <a:rPr lang="pt-BR" sz="1600" dirty="0"/>
+              <a:t>R</a:t>
+            </a:r>
+            <a:r>
+              <a:rPr lang="pt-BR" sz="1600" b="0" dirty="0"/>
+              <a:t>ight</a:t>
+            </a:r>
+            <a:r>
+              <a:rPr lang="pt-BR" sz="1600" b="0" i="0" dirty="0"/>
+              <a:t>.  </a:t>
             </a:r>
           </a:p>
         </p:txBody>
@@ -11897,7 +12025,7 @@
             </a:pPr>
             <a:r>
               <a:rPr lang="pt-BR" sz="1600" b="0" i="0" dirty="0"/>
-              <a:t>Como foi aprensatdo na aula T1-A02, o circuito </a:t>
+              <a:t>Como foi apresentado na aula T1-A02, o circuito </a:t>
             </a:r>
             <a:r>
               <a:rPr lang="pt-BR" sz="1600" b="0" dirty="0"/>
@@ -11909,7 +12037,7 @@
             </a:r>
             <a:r>
               <a:rPr lang="pt-BR" sz="1600" b="0" dirty="0"/>
-              <a:t>carry in</a:t>
+              <a:t>Carry in</a:t>
             </a:r>
             <a:r>
               <a:rPr lang="pt-BR" sz="1600" b="0" i="0" dirty="0"/>
@@ -11925,7 +12053,7 @@
             </a:r>
             <a:r>
               <a:rPr lang="pt-BR" sz="1600" b="0" dirty="0"/>
-              <a:t>carry out</a:t>
+              <a:t>Carry Out</a:t>
             </a:r>
             <a:r>
               <a:rPr lang="pt-BR" sz="1600" b="0" i="0" dirty="0"/>
@@ -11988,11 +12116,11 @@
             </a:r>
             <a:r>
               <a:rPr lang="pt-BR" sz="1600" b="0" i="0" dirty="0"/>
-              <a:t> é </a:t>
+              <a:t> é o  </a:t>
             </a:r>
             <a:r>
               <a:rPr lang="pt-BR" sz="1600" b="0" dirty="0"/>
-              <a:t>carry out</a:t>
+              <a:t>Carry Out</a:t>
             </a:r>
             <a:r>
               <a:rPr lang="pt-BR" sz="1600" b="0" i="0" dirty="0"/>
@@ -12000,7 +12128,7 @@
             </a:r>
             <a:r>
               <a:rPr lang="pt-BR" sz="1600" b="0" dirty="0"/>
-              <a:t>carry</a:t>
+              <a:t>Carry</a:t>
             </a:r>
             <a:r>
               <a:rPr lang="pt-BR" sz="1600" b="0" i="0" dirty="0"/>
@@ -12016,7 +12144,7 @@
             </a:r>
             <a:r>
               <a:rPr lang="pt-BR" sz="1600" b="0" dirty="0"/>
-              <a:t>carry </a:t>
+              <a:t>Carry </a:t>
             </a:r>
             <a:r>
               <a:rPr lang="pt-BR" sz="1600" b="0" i="0" dirty="0"/>
@@ -12024,7 +12152,7 @@
             </a:r>
             <a:r>
               <a:rPr lang="pt-BR" sz="1600" b="0" dirty="0"/>
-              <a:t>carry in </a:t>
+              <a:t>Carry In </a:t>
             </a:r>
             <a:r>
               <a:rPr lang="pt-BR" sz="1600" b="0" i="0" dirty="0"/>
@@ -12042,7 +12170,7 @@
             </a:r>
             <a:r>
               <a:rPr lang="pt-BR" sz="1600" b="0" i="0" dirty="0"/>
-              <a:t>) colocando o resultado num registo/memória e ficando a </a:t>
+              <a:t>) colocando o resultado num registo / memória e ficando a </a:t>
             </a:r>
             <a:r>
               <a:rPr lang="pt-BR" sz="1600" b="0" dirty="0"/>
@@ -12054,7 +12182,7 @@
             </a:r>
             <a:r>
               <a:rPr lang="pt-BR" sz="1600" b="0" dirty="0"/>
-              <a:t>carry </a:t>
+              <a:t>Carry </a:t>
             </a:r>
             <a:r>
               <a:rPr lang="pt-BR" sz="1600" b="0" i="0" dirty="0"/>
@@ -12062,7 +12190,7 @@
             </a:r>
             <a:r>
               <a:rPr lang="pt-BR" sz="1600" b="0" dirty="0"/>
-              <a:t>carry out</a:t>
+              <a:t>Carry Out</a:t>
             </a:r>
             <a:r>
               <a:rPr lang="pt-BR" sz="1600" b="0" i="0" dirty="0"/>
@@ -12078,7 +12206,7 @@
             </a:r>
             <a:r>
               <a:rPr lang="pt-BR" sz="1600" b="0" dirty="0"/>
-              <a:t>carry</a:t>
+              <a:t>Carry</a:t>
             </a:r>
             <a:r>
               <a:rPr lang="pt-BR" sz="1600" b="0" i="0" dirty="0"/>
@@ -12470,7 +12598,7 @@
             </a:r>
             <a:r>
               <a:rPr lang="pt-BR" sz="1600" b="0" i="0" dirty="0"/>
-              <a:t>”. Em algumas arquiteturas, principalmente com instruções de dimensão variavel, o valor pode estar num byte ou numa </a:t>
+              <a:t>”. Em algumas arquiteturas, principalmente com instruções de dimensão variável, o valor pode estar num byte ou numa </a:t>
             </a:r>
             <a:r>
               <a:rPr lang="pt-BR" sz="1600" b="0" dirty="0"/>
@@ -12611,7 +12739,7 @@
             </a:r>
             <a:r>
               <a:rPr lang="pt-BR" sz="1600" b="0" i="0" dirty="0"/>
-              <a:t>”, que coloca o valor contido no endereço representado pelo símbolo VALOR no registo de 8 bits AL. No caso da arquitetura ARMv7 não é permitido aceder diretamento à memória para utilizar o seu valor;</a:t>
+              <a:t>”, que coloca o valor contido no endereço representado pelo símbolo VALOR no registo de 8 bits AL. No caso da arquitetura ARMv7 não é permitido aceder diretamente à memória para utilizar o seu valor;</a:t>
             </a:r>
           </a:p>
         </p:txBody>
@@ -13016,7 +13144,7 @@
             </a:r>
             <a:r>
               <a:rPr lang="pt-BR" sz="1600" b="0" i="0" dirty="0"/>
-              <a:t>”, que coloca o valor contido no endereço representado pelo símbolo VALOR com a soma do valor do registo SI no registo AL. Também não é permitido este modo na arquitetura ARMv7;</a:t>
+              <a:t>”, que coloca o valor contido no endereço representado pelo símbolo VALOR com a soma do valor do registo SI no registo AL. Também não é permitido diretamente este modo na arquitetura ARMv7;</a:t>
             </a:r>
           </a:p>
           <a:p>

--- a/aulas/t/old/SCO-T1-A05-A06.pptx
+++ b/aulas/t/old/SCO-T1-A05-A06.pptx
@@ -9348,12 +9348,17 @@
             </a:pPr>
             <a:r>
               <a:rPr lang="pt-PT" sz="2800" b="0" i="0" dirty="0"/>
-              <a:t>Password Geral: </a:t>
-            </a:r>
-            <a:r>
-              <a:rPr lang="pt-PT" sz="2800" i="0" dirty="0"/>
-              <a:t>sc2021</a:t>
-            </a:r>
+              <a:t>Password Geral</a:t>
+            </a:r>
+            <a:r>
+              <a:rPr lang="pt-PT" sz="2800" b="0" i="0"/>
+              <a:t>: </a:t>
+            </a:r>
+            <a:r>
+              <a:rPr lang="pt-PT" sz="2800" i="0"/>
+              <a:t>sc2122</a:t>
+            </a:r>
+            <a:endParaRPr lang="pt-PT" sz="2800" i="0" dirty="0"/>
           </a:p>
           <a:p>
             <a:pPr marL="357188" lvl="1" indent="-177800" algn="l" defTabSz="704085">
@@ -9390,7 +9395,7 @@
             </a:pPr>
             <a:r>
               <a:rPr lang="pt-PT" sz="2000" i="0" dirty="0"/>
-              <a:t>2 conjuntos (base e standard) de 2 questões (em 5) + 1 questão (em 5 do conjunto Hard)</a:t>
+              <a:t>2 conjuntos (base e standard) de 2 questões (em 5+) + 1 questão (em 4+ do conjunto Hard)</a:t>
             </a:r>
             <a:r>
               <a:rPr lang="pt-PT" sz="2000" b="0" i="0" dirty="0"/>
@@ -9411,7 +9416,7 @@
             </a:r>
             <a:r>
               <a:rPr lang="pt-PT" sz="2000" i="0" dirty="0"/>
-              <a:t>16h de quinta 31 de março </a:t>
+              <a:t>18h de quinta 31 de março </a:t>
             </a:r>
             <a:r>
               <a:rPr lang="pt-PT" sz="2000" b="0" i="0" dirty="0"/>
